--- a/Presentation_grp4.pptx
+++ b/Presentation_grp4.pptx
@@ -8,6 +8,7 @@
     <p:sldId id="256" r:id="rId2"/>
     <p:sldId id="258" r:id="rId3"/>
     <p:sldId id="259" r:id="rId4"/>
+    <p:sldId id="260" r:id="rId5"/>
   </p:sldIdLst>
   <p:sldSz cx="12192000" cy="6858000"/>
   <p:notesSz cx="6858000" cy="9144000"/>
@@ -106,6 +107,11 @@
       </a:defRPr>
     </a:lvl9pPr>
   </p:defaultTextStyle>
+  <p:extLst>
+    <p:ext uri="{EFAFB233-063F-42B5-8137-9DF3F51BA10A}">
+      <p15:sldGuideLst xmlns:p15="http://schemas.microsoft.com/office/powerpoint/2012/main"/>
+    </p:ext>
+  </p:extLst>
 </p:presentation>
 </file>
 
@@ -271,7 +277,7 @@
           <a:p>
             <a:fld id="{524C6359-9BB8-4148-8114-537E698DA205}" type="datetime1">
               <a:rPr lang="en-US" smtClean="0"/>
-              <a:t>11/30/22</a:t>
+              <a:t>12/5/22</a:t>
             </a:fld>
             <a:endParaRPr lang="en-US" dirty="0"/>
           </a:p>
@@ -1331,7 +1337,7 @@
           <a:p>
             <a:fld id="{A4649BD0-10DB-43E7-8F22-40B3D51B8FC3}" type="datetime1">
               <a:rPr lang="en-US" smtClean="0"/>
-              <a:t>11/30/22</a:t>
+              <a:t>12/5/22</a:t>
             </a:fld>
             <a:endParaRPr lang="en-US"/>
           </a:p>
@@ -2392,7 +2398,7 @@
           <a:p>
             <a:fld id="{0A16C79C-F566-427A-93F6-434A4E613134}" type="datetime1">
               <a:rPr lang="en-US" smtClean="0"/>
-              <a:t>11/30/22</a:t>
+              <a:t>12/5/22</a:t>
             </a:fld>
             <a:endParaRPr lang="en-US"/>
           </a:p>
@@ -3448,7 +3454,7 @@
           <a:p>
             <a:fld id="{9376191F-481E-48E9-BB9A-369A67A7362D}" type="datetime1">
               <a:rPr lang="en-US" smtClean="0"/>
-              <a:t>11/30/22</a:t>
+              <a:t>12/5/22</a:t>
             </a:fld>
             <a:endParaRPr lang="en-US" dirty="0"/>
           </a:p>
@@ -4577,7 +4583,7 @@
           <a:p>
             <a:fld id="{6C5677DE-DD04-48CC-9C18-7BE9FF2DEB6B}" type="datetime1">
               <a:rPr lang="en-US" smtClean="0"/>
-              <a:t>11/30/22</a:t>
+              <a:t>12/5/22</a:t>
             </a:fld>
             <a:endParaRPr lang="en-US"/>
           </a:p>
@@ -5696,7 +5702,7 @@
           <a:p>
             <a:fld id="{463255ED-7101-4D18-A8AE-3B5E4CB87EA5}" type="datetime1">
               <a:rPr lang="en-US" smtClean="0"/>
-              <a:t>11/30/22</a:t>
+              <a:t>12/5/22</a:t>
             </a:fld>
             <a:endParaRPr lang="en-US"/>
           </a:p>
@@ -7002,7 +7008,7 @@
           <a:p>
             <a:fld id="{CD52F23D-51F6-4C94-8CD5-B9ABBF67EE23}" type="datetime1">
               <a:rPr lang="en-US" smtClean="0"/>
-              <a:t>11/30/22</a:t>
+              <a:t>12/5/22</a:t>
             </a:fld>
             <a:endParaRPr lang="en-US"/>
           </a:p>
@@ -7149,7 +7155,7 @@
           <a:p>
             <a:fld id="{D51A702F-6367-4FD1-89A8-3744BE6BA9A2}" type="datetime1">
               <a:rPr lang="en-US" smtClean="0"/>
-              <a:t>11/30/22</a:t>
+              <a:t>12/5/22</a:t>
             </a:fld>
             <a:endParaRPr lang="en-US"/>
           </a:p>
@@ -8113,7 +8119,7 @@
           <a:p>
             <a:fld id="{4A6E99BD-4B4F-4460-B452-0E8146ACCF8F}" type="datetime1">
               <a:rPr lang="en-US" smtClean="0"/>
-              <a:t>11/30/22</a:t>
+              <a:t>12/5/22</a:t>
             </a:fld>
             <a:endParaRPr lang="en-US"/>
           </a:p>
@@ -8432,7 +8438,7 @@
           <a:p>
             <a:fld id="{EB6FD34C-1867-42A9-AC54-D15ADD8A65E7}" type="datetime1">
               <a:rPr lang="en-US" smtClean="0"/>
-              <a:t>11/30/22</a:t>
+              <a:t>12/5/22</a:t>
             </a:fld>
             <a:endParaRPr lang="en-US"/>
           </a:p>
@@ -9580,7 +9586,7 @@
           <a:p>
             <a:fld id="{336133E9-A654-4C17-8C3C-DDCAC83D6EBF}" type="datetime1">
               <a:rPr lang="en-US" smtClean="0"/>
-              <a:t>11/30/22</a:t>
+              <a:t>12/5/22</a:t>
             </a:fld>
             <a:endParaRPr lang="en-US"/>
           </a:p>
@@ -11990,7 +11996,7 @@
           <a:p>
             <a:fld id="{8769D389-4C4C-4FD7-9E6B-9F44477F0EB8}" type="datetime1">
               <a:rPr lang="en-US" smtClean="0"/>
-              <a:t>11/30/22</a:t>
+              <a:t>12/5/22</a:t>
             </a:fld>
             <a:endParaRPr lang="en-US" dirty="0"/>
           </a:p>
@@ -18575,21 +18581,21 @@
               <a:t>ara, &amp; </a:t>
             </a:r>
             <a:r>
-              <a:rPr lang="en-US" i="1" u="sng" dirty="0" err="1">
+              <a:rPr lang="en-US" i="1" u="sng" dirty="0">
                 <a:latin typeface="APPLE CHANCERY" panose="03020702040506060504" pitchFamily="66" charset="-79"/>
                 <a:cs typeface="APPLE CHANCERY" panose="03020702040506060504" pitchFamily="66" charset="-79"/>
               </a:rPr>
               <a:t>N</a:t>
             </a:r>
             <a:r>
-              <a:rPr lang="en-US" i="1" dirty="0" err="1">
+              <a:rPr lang="en-US" i="1" dirty="0">
                 <a:latin typeface="APPLE CHANCERY" panose="03020702040506060504" pitchFamily="66" charset="-79"/>
                 <a:cs typeface="APPLE CHANCERY" panose="03020702040506060504" pitchFamily="66" charset="-79"/>
               </a:rPr>
-              <a:t>adee</a:t>
+              <a:t>atha</a:t>
             </a:r>
             <a:r>
-              <a:rPr lang="en-US" i="1" u="sng" dirty="0" err="1">
+              <a:rPr lang="en-US" i="1" u="sng" dirty="0">
                 <a:latin typeface="APPLE CHANCERY" panose="03020702040506060504" pitchFamily="66" charset="-79"/>
                 <a:cs typeface="APPLE CHANCERY" panose="03020702040506060504" pitchFamily="66" charset="-79"/>
               </a:rPr>
@@ -18703,6 +18709,101 @@
     <p:extLst>
       <p:ext uri="{BB962C8B-B14F-4D97-AF65-F5344CB8AC3E}">
         <p14:creationId xmlns:p14="http://schemas.microsoft.com/office/powerpoint/2010/main" val="261293046"/>
+      </p:ext>
+    </p:extLst>
+  </p:cSld>
+  <p:clrMapOvr>
+    <a:masterClrMapping/>
+  </p:clrMapOvr>
+</p:sld>
+</file>
+
+<file path=ppt/slides/slide4.xml><?xml version="1.0" encoding="utf-8"?>
+<p:sld xmlns:a="http://schemas.openxmlformats.org/drawingml/2006/main" xmlns:r="http://schemas.openxmlformats.org/officeDocument/2006/relationships" xmlns:p="http://schemas.openxmlformats.org/presentationml/2006/main">
+  <p:cSld>
+    <p:spTree>
+      <p:nvGrpSpPr>
+        <p:cNvPr id="1" name=""/>
+        <p:cNvGrpSpPr/>
+        <p:nvPr/>
+      </p:nvGrpSpPr>
+      <p:grpSpPr>
+        <a:xfrm>
+          <a:off x="0" y="0"/>
+          <a:ext cx="0" cy="0"/>
+          <a:chOff x="0" y="0"/>
+          <a:chExt cx="0" cy="0"/>
+        </a:xfrm>
+      </p:grpSpPr>
+      <p:sp>
+        <p:nvSpPr>
+          <p:cNvPr id="2" name="Title 1">
+            <a:extLst>
+              <a:ext uri="{FF2B5EF4-FFF2-40B4-BE49-F238E27FC236}">
+                <a16:creationId xmlns:a16="http://schemas.microsoft.com/office/drawing/2014/main" id="{A6F0B685-282A-C67D-BA4E-5173795C297A}"/>
+              </a:ext>
+            </a:extLst>
+          </p:cNvPr>
+          <p:cNvSpPr>
+            <a:spLocks noGrp="1"/>
+          </p:cNvSpPr>
+          <p:nvPr>
+            <p:ph type="title"/>
+          </p:nvPr>
+        </p:nvSpPr>
+        <p:spPr>
+          <a:xfrm>
+            <a:off x="538779" y="160050"/>
+            <a:ext cx="10077557" cy="1325563"/>
+          </a:xfrm>
+        </p:spPr>
+        <p:txBody>
+          <a:bodyPr/>
+          <a:lstStyle/>
+          <a:p>
+            <a:r>
+              <a:rPr lang="en-US" dirty="0">
+                <a:latin typeface="Apple Chancery" panose="03020702040506060504" pitchFamily="66" charset="-79"/>
+                <a:cs typeface="Apple Chancery" panose="03020702040506060504" pitchFamily="66" charset="-79"/>
+              </a:rPr>
+              <a:t>The Dataset, </a:t>
+            </a:r>
+          </a:p>
+        </p:txBody>
+      </p:sp>
+      <p:pic>
+        <p:nvPicPr>
+          <p:cNvPr id="5" name="Content Placeholder 4" descr="A picture containing diagram&#10;&#10;Description automatically generated">
+            <a:extLst>
+              <a:ext uri="{FF2B5EF4-FFF2-40B4-BE49-F238E27FC236}">
+                <a16:creationId xmlns:a16="http://schemas.microsoft.com/office/drawing/2014/main" id="{D633FC8D-72F6-A31E-3BE4-4D102ACD2144}"/>
+              </a:ext>
+            </a:extLst>
+          </p:cNvPr>
+          <p:cNvPicPr>
+            <a:picLocks noGrp="1" noChangeAspect="1"/>
+          </p:cNvPicPr>
+          <p:nvPr>
+            <p:ph idx="1"/>
+          </p:nvPr>
+        </p:nvPicPr>
+        <p:blipFill>
+          <a:blip r:embed="rId2"/>
+          <a:stretch>
+            <a:fillRect/>
+          </a:stretch>
+        </p:blipFill>
+        <p:spPr>
+          <a:xfrm>
+            <a:off x="831668" y="666077"/>
+            <a:ext cx="10528663" cy="6453051"/>
+          </a:xfrm>
+        </p:spPr>
+      </p:pic>
+    </p:spTree>
+    <p:extLst>
+      <p:ext uri="{BB962C8B-B14F-4D97-AF65-F5344CB8AC3E}">
+        <p14:creationId xmlns:p14="http://schemas.microsoft.com/office/powerpoint/2010/main" val="1576260129"/>
       </p:ext>
     </p:extLst>
   </p:cSld>
